--- a/doc/Presentation1.pptx
+++ b/doc/Presentation1.pptx
@@ -3432,36 +3432,6 @@
           </a:p>
         </p:txBody>
       </p:sp>
-      <p:pic>
-        <p:nvPicPr>
-          <p:cNvPr id="4" name="Picture 3"/>
-          <p:cNvPicPr>
-            <a:picLocks noChangeAspect="1"/>
-          </p:cNvPicPr>
-          <p:nvPr/>
-        </p:nvPicPr>
-        <p:blipFill>
-          <a:blip r:embed="rId2">
-            <a:extLst>
-              <a:ext uri="{28A0092B-C50C-407E-A947-70E740481C1C}">
-                <a14:useLocalDpi xmlns:a14="http://schemas.microsoft.com/office/drawing/2010/main" val="0"/>
-              </a:ext>
-            </a:extLst>
-          </a:blip>
-          <a:stretch>
-            <a:fillRect/>
-          </a:stretch>
-        </p:blipFill>
-        <p:spPr>
-          <a:xfrm>
-            <a:off x="101600" y="604838"/>
-            <a:ext cx="5791200" cy="5791200"/>
-          </a:xfrm>
-          <a:prstGeom prst="rect">
-            <a:avLst/>
-          </a:prstGeom>
-        </p:spPr>
-      </p:pic>
       <p:cxnSp>
         <p:nvCxnSpPr>
           <p:cNvPr id="6" name="Straight Connector 5"/>
@@ -3470,7 +3440,7 @@
         </p:nvCxnSpPr>
         <p:spPr>
           <a:xfrm>
-            <a:off x="6005015" y="2052638"/>
+            <a:off x="6005015" y="2071191"/>
             <a:ext cx="3889612" cy="0"/>
           </a:xfrm>
           <a:prstGeom prst="line">
@@ -3497,6 +3467,213 @@
           </a:fontRef>
         </p:style>
       </p:cxnSp>
+      <p:pic>
+        <p:nvPicPr>
+          <p:cNvPr id="7" name="Picture 6"/>
+          <p:cNvPicPr>
+            <a:picLocks noChangeAspect="1"/>
+          </p:cNvPicPr>
+          <p:nvPr/>
+        </p:nvPicPr>
+        <p:blipFill>
+          <a:blip r:embed="rId2">
+            <a:extLst>
+              <a:ext uri="{28A0092B-C50C-407E-A947-70E740481C1C}">
+                <a14:useLocalDpi xmlns:a14="http://schemas.microsoft.com/office/drawing/2010/main" val="0"/>
+              </a:ext>
+            </a:extLst>
+          </a:blip>
+          <a:stretch>
+            <a:fillRect/>
+          </a:stretch>
+        </p:blipFill>
+        <p:spPr>
+          <a:xfrm>
+            <a:off x="-109678" y="511908"/>
+            <a:ext cx="5872572" cy="5872572"/>
+          </a:xfrm>
+          <a:prstGeom prst="rect">
+            <a:avLst/>
+          </a:prstGeom>
+        </p:spPr>
+      </p:pic>
+      <p:sp>
+        <p:nvSpPr>
+          <p:cNvPr id="9" name="TextBox 8"/>
+          <p:cNvSpPr txBox="1"/>
+          <p:nvPr/>
+        </p:nvSpPr>
+        <p:spPr>
+          <a:xfrm>
+            <a:off x="6091995" y="4353155"/>
+            <a:ext cx="4886325" cy="2031325"/>
+          </a:xfrm>
+          <a:prstGeom prst="rect">
+            <a:avLst/>
+          </a:prstGeom>
+          <a:noFill/>
+        </p:spPr>
+        <p:txBody>
+          <a:bodyPr wrap="square" rtlCol="0">
+            <a:spAutoFit/>
+          </a:bodyPr>
+          <a:lstStyle/>
+          <a:p>
+            <a:r>
+              <a:rPr lang="en-US" dirty="0" smtClean="0">
+                <a:latin typeface="Avenir Book" charset="0"/>
+                <a:ea typeface="Avenir Book" charset="0"/>
+                <a:cs typeface="Avenir Book" charset="0"/>
+              </a:rPr>
+              <a:t>By</a:t>
+            </a:r>
+          </a:p>
+          <a:p>
+            <a:r>
+              <a:rPr lang="en-US" dirty="0" smtClean="0">
+                <a:latin typeface="Avenir Book" charset="0"/>
+                <a:ea typeface="Avenir Book" charset="0"/>
+                <a:cs typeface="Avenir Book" charset="0"/>
+              </a:rPr>
+              <a:t>Tom </a:t>
+            </a:r>
+            <a:r>
+              <a:rPr lang="en-US" dirty="0" err="1" smtClean="0">
+                <a:latin typeface="Avenir Book" charset="0"/>
+                <a:ea typeface="Avenir Book" charset="0"/>
+                <a:cs typeface="Avenir Book" charset="0"/>
+              </a:rPr>
+              <a:t>Hüttmann</a:t>
+            </a:r>
+            <a:r>
+              <a:rPr lang="en-US" dirty="0" smtClean="0">
+                <a:latin typeface="Avenir Book" charset="0"/>
+                <a:ea typeface="Avenir Book" charset="0"/>
+                <a:cs typeface="Avenir Book" charset="0"/>
+              </a:rPr>
+              <a:t> (</a:t>
+            </a:r>
+            <a:r>
+              <a:rPr lang="en-US" dirty="0" err="1" smtClean="0">
+                <a:latin typeface="Avenir Book" charset="0"/>
+                <a:ea typeface="Avenir Book" charset="0"/>
+                <a:cs typeface="Avenir Book" charset="0"/>
+              </a:rPr>
+              <a:t>Teamlead</a:t>
+            </a:r>
+            <a:r>
+              <a:rPr lang="en-US" dirty="0" smtClean="0">
+                <a:latin typeface="Avenir Book" charset="0"/>
+                <a:ea typeface="Avenir Book" charset="0"/>
+                <a:cs typeface="Avenir Book" charset="0"/>
+              </a:rPr>
+              <a:t>)</a:t>
+            </a:r>
+            <a:endParaRPr lang="en-US" dirty="0" smtClean="0">
+              <a:latin typeface="Avenir Book" charset="0"/>
+              <a:ea typeface="Avenir Book" charset="0"/>
+              <a:cs typeface="Avenir Book" charset="0"/>
+            </a:endParaRPr>
+          </a:p>
+          <a:p>
+            <a:r>
+              <a:rPr lang="en-US" dirty="0" smtClean="0">
+                <a:latin typeface="Avenir Book" charset="0"/>
+                <a:ea typeface="Avenir Book" charset="0"/>
+                <a:cs typeface="Avenir Book" charset="0"/>
+              </a:rPr>
+              <a:t>Hoang Nguyen</a:t>
+            </a:r>
+          </a:p>
+          <a:p>
+            <a:r>
+              <a:rPr lang="en-US" dirty="0" smtClean="0">
+                <a:latin typeface="Avenir Book" charset="0"/>
+                <a:ea typeface="Avenir Book" charset="0"/>
+                <a:cs typeface="Avenir Book" charset="0"/>
+              </a:rPr>
+              <a:t>Michael Brandt</a:t>
+            </a:r>
+          </a:p>
+          <a:p>
+            <a:r>
+              <a:rPr lang="en-US" dirty="0" err="1" smtClean="0">
+                <a:latin typeface="Avenir Book" charset="0"/>
+                <a:ea typeface="Avenir Book" charset="0"/>
+                <a:cs typeface="Avenir Book" charset="0"/>
+              </a:rPr>
+              <a:t>Sören</a:t>
+            </a:r>
+            <a:r>
+              <a:rPr lang="en-US" dirty="0" smtClean="0">
+                <a:latin typeface="Avenir Book" charset="0"/>
+                <a:ea typeface="Avenir Book" charset="0"/>
+                <a:cs typeface="Avenir Book" charset="0"/>
+              </a:rPr>
+              <a:t> </a:t>
+            </a:r>
+            <a:r>
+              <a:rPr lang="en-US" dirty="0" err="1" smtClean="0">
+                <a:latin typeface="Avenir Book" charset="0"/>
+                <a:ea typeface="Avenir Book" charset="0"/>
+                <a:cs typeface="Avenir Book" charset="0"/>
+              </a:rPr>
+              <a:t>Poppe</a:t>
+            </a:r>
+            <a:endParaRPr lang="en-US" dirty="0" smtClean="0">
+              <a:latin typeface="Avenir Book" charset="0"/>
+              <a:ea typeface="Avenir Book" charset="0"/>
+              <a:cs typeface="Avenir Book" charset="0"/>
+            </a:endParaRPr>
+          </a:p>
+          <a:p>
+            <a:r>
+              <a:rPr lang="en-US" dirty="0" smtClean="0">
+                <a:latin typeface="Avenir Book" charset="0"/>
+                <a:ea typeface="Avenir Book" charset="0"/>
+                <a:cs typeface="Avenir Book" charset="0"/>
+              </a:rPr>
+              <a:t>David </a:t>
+            </a:r>
+            <a:r>
+              <a:rPr lang="en-US" dirty="0" err="1" smtClean="0">
+                <a:latin typeface="Avenir Book" charset="0"/>
+                <a:ea typeface="Avenir Book" charset="0"/>
+                <a:cs typeface="Avenir Book" charset="0"/>
+              </a:rPr>
+              <a:t>Szustowski</a:t>
+            </a:r>
+            <a:endParaRPr lang="en-US" dirty="0" smtClean="0">
+              <a:latin typeface="Avenir Book" charset="0"/>
+              <a:ea typeface="Avenir Book" charset="0"/>
+              <a:cs typeface="Avenir Book" charset="0"/>
+            </a:endParaRPr>
+          </a:p>
+          <a:p>
+            <a:r>
+              <a:rPr lang="en-US" dirty="0" err="1" smtClean="0">
+                <a:latin typeface="Avenir Book" charset="0"/>
+                <a:ea typeface="Avenir Book" charset="0"/>
+                <a:cs typeface="Avenir Book" charset="0"/>
+              </a:rPr>
+              <a:t>Niklas</a:t>
+            </a:r>
+            <a:r>
+              <a:rPr lang="en-US" dirty="0" smtClean="0">
+                <a:latin typeface="Avenir Book" charset="0"/>
+                <a:ea typeface="Avenir Book" charset="0"/>
+                <a:cs typeface="Avenir Book" charset="0"/>
+              </a:rPr>
+              <a:t> Mohr</a:t>
+            </a:r>
+            <a:endParaRPr lang="en-US" dirty="0">
+              <a:latin typeface="Avenir Book" charset="0"/>
+              <a:ea typeface="Avenir Book" charset="0"/>
+              <a:cs typeface="Avenir Book" charset="0"/>
+            </a:endParaRPr>
+          </a:p>
+        </p:txBody>
+      </p:sp>
     </p:spTree>
     <p:extLst>
       <p:ext uri="{BB962C8B-B14F-4D97-AF65-F5344CB8AC3E}">
@@ -3539,25 +3716,25 @@
         </p:nvSpPr>
         <p:spPr>
           <a:xfrm>
-            <a:off x="5791200" y="1216089"/>
-            <a:ext cx="4131733" cy="873125"/>
+            <a:off x="2208245" y="2052735"/>
+            <a:ext cx="7327641" cy="2238504"/>
           </a:xfrm>
         </p:spPr>
         <p:txBody>
           <a:bodyPr>
-            <a:normAutofit fontScale="90000"/>
+            <a:noAutofit/>
           </a:bodyPr>
           <a:lstStyle/>
           <a:p>
             <a:r>
-              <a:rPr lang="en-US" smtClean="0">
+              <a:rPr lang="en-US" sz="8800" dirty="0" smtClean="0">
                 <a:latin typeface="Avenir Book" charset="0"/>
                 <a:ea typeface="Avenir Book" charset="0"/>
                 <a:cs typeface="Avenir Book" charset="0"/>
               </a:rPr>
-              <a:t>Content</a:t>
-            </a:r>
-            <a:endParaRPr lang="en-US" dirty="0">
+              <a:t>DEMO</a:t>
+            </a:r>
+            <a:endParaRPr lang="en-US" sz="8800" dirty="0">
               <a:latin typeface="Avenir Book" charset="0"/>
               <a:ea typeface="Avenir Book" charset="0"/>
               <a:cs typeface="Avenir Book" charset="0"/>
@@ -3565,117 +3742,6 @@
           </a:p>
         </p:txBody>
       </p:sp>
-      <p:sp>
-        <p:nvSpPr>
-          <p:cNvPr id="3" name="Subtitle 2"/>
-          <p:cNvSpPr>
-            <a:spLocks noGrp="1"/>
-          </p:cNvSpPr>
-          <p:nvPr>
-            <p:ph type="subTitle" idx="1"/>
-          </p:nvPr>
-        </p:nvSpPr>
-        <p:spPr>
-          <a:xfrm>
-            <a:off x="5668370" y="2226829"/>
-            <a:ext cx="5530376" cy="1655762"/>
-          </a:xfrm>
-        </p:spPr>
-        <p:txBody>
-          <a:bodyPr/>
-          <a:lstStyle/>
-          <a:p>
-            <a:r>
-              <a:rPr lang="en-US" dirty="0" err="1" smtClean="0">
-                <a:latin typeface="Avenir Book" charset="0"/>
-                <a:ea typeface="Avenir Book" charset="0"/>
-                <a:cs typeface="Avenir Book" charset="0"/>
-              </a:rPr>
-              <a:t>Networkcalculator</a:t>
-            </a:r>
-            <a:r>
-              <a:rPr lang="en-US" dirty="0" smtClean="0">
-                <a:latin typeface="Avenir Book" charset="0"/>
-                <a:ea typeface="Avenir Book" charset="0"/>
-                <a:cs typeface="Avenir Book" charset="0"/>
-              </a:rPr>
-              <a:t> for the </a:t>
-            </a:r>
-            <a:r>
-              <a:rPr lang="en-US" dirty="0" err="1" smtClean="0">
-                <a:latin typeface="Avenir Book" charset="0"/>
-                <a:ea typeface="Avenir Book" charset="0"/>
-                <a:cs typeface="Avenir Book" charset="0"/>
-              </a:rPr>
-              <a:t>echt</a:t>
-            </a:r>
-            <a:r>
-              <a:rPr lang="en-US" dirty="0" smtClean="0">
-                <a:latin typeface="Avenir Book" charset="0"/>
-                <a:ea typeface="Avenir Book" charset="0"/>
-                <a:cs typeface="Avenir Book" charset="0"/>
-              </a:rPr>
-              <a:t> </a:t>
-            </a:r>
-            <a:r>
-              <a:rPr lang="en-US" dirty="0">
-                <a:latin typeface="Avenir Book" charset="0"/>
-                <a:ea typeface="Avenir Book" charset="0"/>
-                <a:cs typeface="Avenir Book" charset="0"/>
-              </a:rPr>
-              <a:t>G</a:t>
-            </a:r>
-            <a:r>
-              <a:rPr lang="en-US" dirty="0" smtClean="0">
-                <a:latin typeface="Avenir Book" charset="0"/>
-                <a:ea typeface="Avenir Book" charset="0"/>
-                <a:cs typeface="Avenir Book" charset="0"/>
-              </a:rPr>
-              <a:t>mbH</a:t>
-            </a:r>
-            <a:endParaRPr lang="en-US" dirty="0">
-              <a:latin typeface="Avenir Book" charset="0"/>
-              <a:ea typeface="Avenir Book" charset="0"/>
-              <a:cs typeface="Avenir Book" charset="0"/>
-            </a:endParaRPr>
-          </a:p>
-        </p:txBody>
-      </p:sp>
-      <p:cxnSp>
-        <p:nvCxnSpPr>
-          <p:cNvPr id="6" name="Straight Connector 5"/>
-          <p:cNvCxnSpPr/>
-          <p:nvPr/>
-        </p:nvCxnSpPr>
-        <p:spPr>
-          <a:xfrm>
-            <a:off x="5903415" y="2089214"/>
-            <a:ext cx="3889612" cy="0"/>
-          </a:xfrm>
-          <a:prstGeom prst="line">
-            <a:avLst/>
-          </a:prstGeom>
-          <a:ln>
-            <a:solidFill>
-              <a:schemeClr val="tx1"/>
-            </a:solidFill>
-          </a:ln>
-        </p:spPr>
-        <p:style>
-          <a:lnRef idx="1">
-            <a:schemeClr val="accent1"/>
-          </a:lnRef>
-          <a:fillRef idx="0">
-            <a:schemeClr val="accent1"/>
-          </a:fillRef>
-          <a:effectRef idx="0">
-            <a:schemeClr val="accent1"/>
-          </a:effectRef>
-          <a:fontRef idx="minor">
-            <a:schemeClr val="tx1"/>
-          </a:fontRef>
-        </p:style>
-      </p:cxnSp>
     </p:spTree>
     <p:extLst>
       <p:ext uri="{BB962C8B-B14F-4D97-AF65-F5344CB8AC3E}">

--- a/doc/Presentation1.pptx
+++ b/doc/Presentation1.pptx
@@ -193,7 +193,7 @@
           <a:p>
             <a:fld id="{80EDF995-8913-EC4A-BB20-9182C76878AB}" type="datetimeFigureOut">
               <a:rPr lang="en-US" smtClean="0"/>
-              <a:t>6/6/17</a:t>
+              <a:t>6/12/2017</a:t>
             </a:fld>
             <a:endParaRPr lang="en-US"/>
           </a:p>
@@ -352,7 +352,7 @@
           <a:p>
             <a:fld id="{237F2E8E-60CC-4149-91F4-95641D4BC590}" type="slidenum">
               <a:rPr lang="en-US" smtClean="0"/>
-              <a:t>‹#›</a:t>
+              <a:t>‹Nr.›</a:t>
             </a:fld>
             <a:endParaRPr lang="en-US"/>
           </a:p>
@@ -592,7 +592,7 @@
           <a:p>
             <a:fld id="{E753F814-3C5E-8540-9286-0BAA651824E5}" type="datetimeFigureOut">
               <a:rPr lang="en-US" smtClean="0"/>
-              <a:t>6/6/17</a:t>
+              <a:t>6/12/2017</a:t>
             </a:fld>
             <a:endParaRPr lang="en-US"/>
           </a:p>
@@ -634,7 +634,7 @@
           <a:p>
             <a:fld id="{3F3AFEE5-79CC-DB4F-AA09-22E8DCDD7BE3}" type="slidenum">
               <a:rPr lang="en-US" smtClean="0"/>
-              <a:t>‹#›</a:t>
+              <a:t>‹Nr.›</a:t>
             </a:fld>
             <a:endParaRPr lang="en-US"/>
           </a:p>
@@ -762,7 +762,7 @@
           <a:p>
             <a:fld id="{E753F814-3C5E-8540-9286-0BAA651824E5}" type="datetimeFigureOut">
               <a:rPr lang="en-US" smtClean="0"/>
-              <a:t>6/6/17</a:t>
+              <a:t>6/12/2017</a:t>
             </a:fld>
             <a:endParaRPr lang="en-US"/>
           </a:p>
@@ -804,7 +804,7 @@
           <a:p>
             <a:fld id="{3F3AFEE5-79CC-DB4F-AA09-22E8DCDD7BE3}" type="slidenum">
               <a:rPr lang="en-US" smtClean="0"/>
-              <a:t>‹#›</a:t>
+              <a:t>‹Nr.›</a:t>
             </a:fld>
             <a:endParaRPr lang="en-US"/>
           </a:p>
@@ -942,7 +942,7 @@
           <a:p>
             <a:fld id="{E753F814-3C5E-8540-9286-0BAA651824E5}" type="datetimeFigureOut">
               <a:rPr lang="en-US" smtClean="0"/>
-              <a:t>6/6/17</a:t>
+              <a:t>6/12/2017</a:t>
             </a:fld>
             <a:endParaRPr lang="en-US"/>
           </a:p>
@@ -984,7 +984,7 @@
           <a:p>
             <a:fld id="{3F3AFEE5-79CC-DB4F-AA09-22E8DCDD7BE3}" type="slidenum">
               <a:rPr lang="en-US" smtClean="0"/>
-              <a:t>‹#›</a:t>
+              <a:t>‹Nr.›</a:t>
             </a:fld>
             <a:endParaRPr lang="en-US"/>
           </a:p>
@@ -1112,7 +1112,7 @@
           <a:p>
             <a:fld id="{E753F814-3C5E-8540-9286-0BAA651824E5}" type="datetimeFigureOut">
               <a:rPr lang="en-US" smtClean="0"/>
-              <a:t>6/6/17</a:t>
+              <a:t>6/12/2017</a:t>
             </a:fld>
             <a:endParaRPr lang="en-US"/>
           </a:p>
@@ -1154,7 +1154,7 @@
           <a:p>
             <a:fld id="{3F3AFEE5-79CC-DB4F-AA09-22E8DCDD7BE3}" type="slidenum">
               <a:rPr lang="en-US" smtClean="0"/>
-              <a:t>‹#›</a:t>
+              <a:t>‹Nr.›</a:t>
             </a:fld>
             <a:endParaRPr lang="en-US"/>
           </a:p>
@@ -1358,7 +1358,7 @@
           <a:p>
             <a:fld id="{E753F814-3C5E-8540-9286-0BAA651824E5}" type="datetimeFigureOut">
               <a:rPr lang="en-US" smtClean="0"/>
-              <a:t>6/6/17</a:t>
+              <a:t>6/12/2017</a:t>
             </a:fld>
             <a:endParaRPr lang="en-US"/>
           </a:p>
@@ -1400,7 +1400,7 @@
           <a:p>
             <a:fld id="{3F3AFEE5-79CC-DB4F-AA09-22E8DCDD7BE3}" type="slidenum">
               <a:rPr lang="en-US" smtClean="0"/>
-              <a:t>‹#›</a:t>
+              <a:t>‹Nr.›</a:t>
             </a:fld>
             <a:endParaRPr lang="en-US"/>
           </a:p>
@@ -1590,7 +1590,7 @@
           <a:p>
             <a:fld id="{E753F814-3C5E-8540-9286-0BAA651824E5}" type="datetimeFigureOut">
               <a:rPr lang="en-US" smtClean="0"/>
-              <a:t>6/6/17</a:t>
+              <a:t>6/12/2017</a:t>
             </a:fld>
             <a:endParaRPr lang="en-US"/>
           </a:p>
@@ -1632,7 +1632,7 @@
           <a:p>
             <a:fld id="{3F3AFEE5-79CC-DB4F-AA09-22E8DCDD7BE3}" type="slidenum">
               <a:rPr lang="en-US" smtClean="0"/>
-              <a:t>‹#›</a:t>
+              <a:t>‹Nr.›</a:t>
             </a:fld>
             <a:endParaRPr lang="en-US"/>
           </a:p>
@@ -1957,7 +1957,7 @@
           <a:p>
             <a:fld id="{E753F814-3C5E-8540-9286-0BAA651824E5}" type="datetimeFigureOut">
               <a:rPr lang="en-US" smtClean="0"/>
-              <a:t>6/6/17</a:t>
+              <a:t>6/12/2017</a:t>
             </a:fld>
             <a:endParaRPr lang="en-US"/>
           </a:p>
@@ -1999,7 +1999,7 @@
           <a:p>
             <a:fld id="{3F3AFEE5-79CC-DB4F-AA09-22E8DCDD7BE3}" type="slidenum">
               <a:rPr lang="en-US" smtClean="0"/>
-              <a:t>‹#›</a:t>
+              <a:t>‹Nr.›</a:t>
             </a:fld>
             <a:endParaRPr lang="en-US"/>
           </a:p>
@@ -2075,7 +2075,7 @@
           <a:p>
             <a:fld id="{E753F814-3C5E-8540-9286-0BAA651824E5}" type="datetimeFigureOut">
               <a:rPr lang="en-US" smtClean="0"/>
-              <a:t>6/6/17</a:t>
+              <a:t>6/12/2017</a:t>
             </a:fld>
             <a:endParaRPr lang="en-US"/>
           </a:p>
@@ -2117,7 +2117,7 @@
           <a:p>
             <a:fld id="{3F3AFEE5-79CC-DB4F-AA09-22E8DCDD7BE3}" type="slidenum">
               <a:rPr lang="en-US" smtClean="0"/>
-              <a:t>‹#›</a:t>
+              <a:t>‹Nr.›</a:t>
             </a:fld>
             <a:endParaRPr lang="en-US"/>
           </a:p>
@@ -2170,7 +2170,7 @@
           <a:p>
             <a:fld id="{E753F814-3C5E-8540-9286-0BAA651824E5}" type="datetimeFigureOut">
               <a:rPr lang="en-US" smtClean="0"/>
-              <a:t>6/6/17</a:t>
+              <a:t>6/12/2017</a:t>
             </a:fld>
             <a:endParaRPr lang="en-US"/>
           </a:p>
@@ -2212,7 +2212,7 @@
           <a:p>
             <a:fld id="{3F3AFEE5-79CC-DB4F-AA09-22E8DCDD7BE3}" type="slidenum">
               <a:rPr lang="en-US" smtClean="0"/>
-              <a:t>‹#›</a:t>
+              <a:t>‹Nr.›</a:t>
             </a:fld>
             <a:endParaRPr lang="en-US"/>
           </a:p>
@@ -2447,7 +2447,7 @@
           <a:p>
             <a:fld id="{E753F814-3C5E-8540-9286-0BAA651824E5}" type="datetimeFigureOut">
               <a:rPr lang="en-US" smtClean="0"/>
-              <a:t>6/6/17</a:t>
+              <a:t>6/12/2017</a:t>
             </a:fld>
             <a:endParaRPr lang="en-US"/>
           </a:p>
@@ -2489,7 +2489,7 @@
           <a:p>
             <a:fld id="{3F3AFEE5-79CC-DB4F-AA09-22E8DCDD7BE3}" type="slidenum">
               <a:rPr lang="en-US" smtClean="0"/>
-              <a:t>‹#›</a:t>
+              <a:t>‹Nr.›</a:t>
             </a:fld>
             <a:endParaRPr lang="en-US"/>
           </a:p>
@@ -2700,7 +2700,7 @@
           <a:p>
             <a:fld id="{E753F814-3C5E-8540-9286-0BAA651824E5}" type="datetimeFigureOut">
               <a:rPr lang="en-US" smtClean="0"/>
-              <a:t>6/6/17</a:t>
+              <a:t>6/12/2017</a:t>
             </a:fld>
             <a:endParaRPr lang="en-US"/>
           </a:p>
@@ -2742,7 +2742,7 @@
           <a:p>
             <a:fld id="{3F3AFEE5-79CC-DB4F-AA09-22E8DCDD7BE3}" type="slidenum">
               <a:rPr lang="en-US" smtClean="0"/>
-              <a:t>‹#›</a:t>
+              <a:t>‹Nr.›</a:t>
             </a:fld>
             <a:endParaRPr lang="en-US"/>
           </a:p>
@@ -2913,7 +2913,7 @@
           <a:p>
             <a:fld id="{E753F814-3C5E-8540-9286-0BAA651824E5}" type="datetimeFigureOut">
               <a:rPr lang="en-US" smtClean="0"/>
-              <a:t>6/6/17</a:t>
+              <a:t>6/12/2017</a:t>
             </a:fld>
             <a:endParaRPr lang="en-US"/>
           </a:p>
@@ -2991,7 +2991,7 @@
           <a:p>
             <a:fld id="{3F3AFEE5-79CC-DB4F-AA09-22E8DCDD7BE3}" type="slidenum">
               <a:rPr lang="en-US" smtClean="0"/>
-              <a:t>‹#›</a:t>
+              <a:t>‹Nr.›</a:t>
             </a:fld>
             <a:endParaRPr lang="en-US"/>
           </a:p>
@@ -3331,7 +3331,7 @@
         <p:spPr>
           <a:xfrm>
             <a:off x="5892800" y="1179513"/>
-            <a:ext cx="4131733" cy="873125"/>
+            <a:ext cx="5275072" cy="873125"/>
           </a:xfrm>
         </p:spPr>
         <p:txBody>
@@ -3441,7 +3441,7 @@
         <p:spPr>
           <a:xfrm>
             <a:off x="6005015" y="2071191"/>
-            <a:ext cx="3889612" cy="0"/>
+            <a:ext cx="4973305" cy="0"/>
           </a:xfrm>
           <a:prstGeom prst="line">
             <a:avLst/>
@@ -3569,11 +3569,6 @@
               </a:rPr>
               <a:t>)</a:t>
             </a:r>
-            <a:endParaRPr lang="en-US" dirty="0" smtClean="0">
-              <a:latin typeface="Avenir Book" charset="0"/>
-              <a:ea typeface="Avenir Book" charset="0"/>
-              <a:cs typeface="Avenir Book" charset="0"/>
-            </a:endParaRPr>
           </a:p>
           <a:p>
             <a:r>
@@ -3674,6 +3669,84 @@
           </a:p>
         </p:txBody>
       </p:sp>
+      <p:sp>
+        <p:nvSpPr>
+          <p:cNvPr id="4" name="Rechteck 3"/>
+          <p:cNvSpPr/>
+          <p:nvPr/>
+        </p:nvSpPr>
+        <p:spPr>
+          <a:xfrm>
+            <a:off x="1109472" y="1179513"/>
+            <a:ext cx="3425952" cy="551751"/>
+          </a:xfrm>
+          <a:prstGeom prst="rect">
+            <a:avLst/>
+          </a:prstGeom>
+          <a:solidFill>
+            <a:srgbClr val="D3DEF1"/>
+          </a:solidFill>
+          <a:ln>
+            <a:solidFill>
+              <a:srgbClr val="D3DEF1"/>
+            </a:solidFill>
+          </a:ln>
+        </p:spPr>
+        <p:style>
+          <a:lnRef idx="2">
+            <a:schemeClr val="accent1">
+              <a:shade val="50000"/>
+            </a:schemeClr>
+          </a:lnRef>
+          <a:fillRef idx="1">
+            <a:schemeClr val="accent1"/>
+          </a:fillRef>
+          <a:effectRef idx="0">
+            <a:schemeClr val="accent1"/>
+          </a:effectRef>
+          <a:fontRef idx="minor">
+            <a:schemeClr val="lt1"/>
+          </a:fontRef>
+        </p:style>
+        <p:txBody>
+          <a:bodyPr rtlCol="0" anchor="ctr"/>
+          <a:lstStyle/>
+          <a:p>
+            <a:pPr algn="ctr"/>
+            <a:endParaRPr lang="de-DE"/>
+          </a:p>
+        </p:txBody>
+      </p:sp>
+      <p:pic>
+        <p:nvPicPr>
+          <p:cNvPr id="5" name="Grafik 4"/>
+          <p:cNvPicPr>
+            <a:picLocks noChangeAspect="1"/>
+          </p:cNvPicPr>
+          <p:nvPr/>
+        </p:nvPicPr>
+        <p:blipFill>
+          <a:blip r:embed="rId3">
+            <a:extLst>
+              <a:ext uri="{28A0092B-C50C-407E-A947-70E740481C1C}">
+                <a14:useLocalDpi xmlns:a14="http://schemas.microsoft.com/office/drawing/2010/main" val="0"/>
+              </a:ext>
+            </a:extLst>
+          </a:blip>
+          <a:stretch>
+            <a:fillRect/>
+          </a:stretch>
+        </p:blipFill>
+        <p:spPr>
+          <a:xfrm>
+            <a:off x="1488948" y="1226788"/>
+            <a:ext cx="2667000" cy="457200"/>
+          </a:xfrm>
+          <a:prstGeom prst="rect">
+            <a:avLst/>
+          </a:prstGeom>
+        </p:spPr>
+      </p:pic>
     </p:spTree>
     <p:extLst>
       <p:ext uri="{BB962C8B-B14F-4D97-AF65-F5344CB8AC3E}">
@@ -3684,6 +3757,135 @@
   <p:clrMapOvr>
     <a:masterClrMapping/>
   </p:clrMapOvr>
+  <p:timing>
+    <p:tnLst>
+      <p:par>
+        <p:cTn id="1" dur="indefinite" restart="never" nodeType="tmRoot">
+          <p:childTnLst>
+            <p:seq concurrent="1" nextAc="seek">
+              <p:cTn id="2" dur="indefinite" nodeType="mainSeq">
+                <p:childTnLst>
+                  <p:par>
+                    <p:cTn id="3" fill="hold">
+                      <p:stCondLst>
+                        <p:cond delay="indefinite"/>
+                      </p:stCondLst>
+                      <p:childTnLst>
+                        <p:par>
+                          <p:cTn id="4" fill="hold">
+                            <p:stCondLst>
+                              <p:cond delay="0"/>
+                            </p:stCondLst>
+                            <p:childTnLst>
+                              <p:par>
+                                <p:cTn id="5" presetID="14" presetClass="entr" presetSubtype="5" fill="hold" nodeType="clickEffect">
+                                  <p:stCondLst>
+                                    <p:cond delay="0"/>
+                                  </p:stCondLst>
+                                  <p:childTnLst>
+                                    <p:set>
+                                      <p:cBhvr>
+                                        <p:cTn id="6" dur="1" fill="hold">
+                                          <p:stCondLst>
+                                            <p:cond delay="0"/>
+                                          </p:stCondLst>
+                                        </p:cTn>
+                                        <p:tgtEl>
+                                          <p:spTgt spid="5"/>
+                                        </p:tgtEl>
+                                        <p:attrNameLst>
+                                          <p:attrName>style.visibility</p:attrName>
+                                        </p:attrNameLst>
+                                      </p:cBhvr>
+                                      <p:to>
+                                        <p:strVal val="visible"/>
+                                      </p:to>
+                                    </p:set>
+                                    <p:animEffect transition="in" filter="randombar(vertical)">
+                                      <p:cBhvr>
+                                        <p:cTn id="7" dur="1000"/>
+                                        <p:tgtEl>
+                                          <p:spTgt spid="5"/>
+                                        </p:tgtEl>
+                                      </p:cBhvr>
+                                    </p:animEffect>
+                                  </p:childTnLst>
+                                </p:cTn>
+                              </p:par>
+                              <p:par>
+                                <p:cTn id="8" presetID="22" presetClass="entr" presetSubtype="8" fill="hold" grpId="0" nodeType="withEffect">
+                                  <p:stCondLst>
+                                    <p:cond delay="0"/>
+                                  </p:stCondLst>
+                                  <p:childTnLst>
+                                    <p:set>
+                                      <p:cBhvr>
+                                        <p:cTn id="9" dur="1" fill="hold">
+                                          <p:stCondLst>
+                                            <p:cond delay="0"/>
+                                          </p:stCondLst>
+                                        </p:cTn>
+                                        <p:tgtEl>
+                                          <p:spTgt spid="3">
+                                            <p:txEl>
+                                              <p:pRg st="0" end="0"/>
+                                            </p:txEl>
+                                          </p:spTgt>
+                                        </p:tgtEl>
+                                        <p:attrNameLst>
+                                          <p:attrName>style.visibility</p:attrName>
+                                        </p:attrNameLst>
+                                      </p:cBhvr>
+                                      <p:to>
+                                        <p:strVal val="visible"/>
+                                      </p:to>
+                                    </p:set>
+                                    <p:animEffect transition="in" filter="wipe(left)">
+                                      <p:cBhvr>
+                                        <p:cTn id="10" dur="750"/>
+                                        <p:tgtEl>
+                                          <p:spTgt spid="3">
+                                            <p:txEl>
+                                              <p:pRg st="0" end="0"/>
+                                            </p:txEl>
+                                          </p:spTgt>
+                                        </p:tgtEl>
+                                      </p:cBhvr>
+                                    </p:animEffect>
+                                  </p:childTnLst>
+                                </p:cTn>
+                              </p:par>
+                            </p:childTnLst>
+                          </p:cTn>
+                        </p:par>
+                      </p:childTnLst>
+                    </p:cTn>
+                  </p:par>
+                </p:childTnLst>
+              </p:cTn>
+              <p:prevCondLst>
+                <p:cond evt="onPrev" delay="0">
+                  <p:tgtEl>
+                    <p:sldTgt/>
+                  </p:tgtEl>
+                </p:cond>
+              </p:prevCondLst>
+              <p:nextCondLst>
+                <p:cond evt="onNext" delay="0">
+                  <p:tgtEl>
+                    <p:sldTgt/>
+                  </p:tgtEl>
+                </p:cond>
+              </p:nextCondLst>
+            </p:seq>
+          </p:childTnLst>
+        </p:cTn>
+      </p:par>
+    </p:tnLst>
+    <p:bldLst>
+      <p:bldP spid="3" grpId="0" build="p"/>
+    </p:bldLst>
+  </p:timing>
 </p:sld>
 </file>
 
@@ -3716,8 +3918,8 @@
         </p:nvSpPr>
         <p:spPr>
           <a:xfrm>
-            <a:off x="2208245" y="2052735"/>
-            <a:ext cx="7327641" cy="2238504"/>
+            <a:off x="0" y="2319730"/>
+            <a:ext cx="12192000" cy="2861870"/>
           </a:xfrm>
         </p:spPr>
         <p:txBody>
@@ -3727,14 +3929,14 @@
           <a:lstStyle/>
           <a:p>
             <a:r>
-              <a:rPr lang="en-US" sz="8800" dirty="0" smtClean="0">
+              <a:rPr lang="en-US" sz="13800" dirty="0" smtClean="0">
                 <a:latin typeface="Avenir Book" charset="0"/>
                 <a:ea typeface="Avenir Book" charset="0"/>
                 <a:cs typeface="Avenir Book" charset="0"/>
               </a:rPr>
               <a:t>DEMO</a:t>
             </a:r>
-            <a:endParaRPr lang="en-US" sz="8800" dirty="0">
+            <a:endParaRPr lang="en-US" sz="13800" dirty="0">
               <a:latin typeface="Avenir Book" charset="0"/>
               <a:ea typeface="Avenir Book" charset="0"/>
               <a:cs typeface="Avenir Book" charset="0"/>
@@ -3742,6 +3944,156 @@
           </a:p>
         </p:txBody>
       </p:sp>
+      <p:pic>
+        <p:nvPicPr>
+          <p:cNvPr id="3" name="Grafik 2"/>
+          <p:cNvPicPr>
+            <a:picLocks noChangeAspect="1"/>
+          </p:cNvPicPr>
+          <p:nvPr/>
+        </p:nvPicPr>
+        <p:blipFill>
+          <a:blip r:embed="rId2">
+            <a:extLst>
+              <a:ext uri="{28A0092B-C50C-407E-A947-70E740481C1C}">
+                <a14:useLocalDpi xmlns:a14="http://schemas.microsoft.com/office/drawing/2010/main" val="0"/>
+              </a:ext>
+            </a:extLst>
+          </a:blip>
+          <a:stretch>
+            <a:fillRect/>
+          </a:stretch>
+        </p:blipFill>
+        <p:spPr>
+          <a:xfrm rot="19782992">
+            <a:off x="295652" y="102916"/>
+            <a:ext cx="3279962" cy="3279962"/>
+          </a:xfrm>
+          <a:prstGeom prst="rect">
+            <a:avLst/>
+          </a:prstGeom>
+        </p:spPr>
+      </p:pic>
+      <p:pic>
+        <p:nvPicPr>
+          <p:cNvPr id="4" name="Grafik 3"/>
+          <p:cNvPicPr>
+            <a:picLocks noChangeAspect="1"/>
+          </p:cNvPicPr>
+          <p:nvPr/>
+        </p:nvPicPr>
+        <p:blipFill>
+          <a:blip r:embed="rId3">
+            <a:extLst>
+              <a:ext uri="{28A0092B-C50C-407E-A947-70E740481C1C}">
+                <a14:useLocalDpi xmlns:a14="http://schemas.microsoft.com/office/drawing/2010/main" val="0"/>
+              </a:ext>
+            </a:extLst>
+          </a:blip>
+          <a:stretch>
+            <a:fillRect/>
+          </a:stretch>
+        </p:blipFill>
+        <p:spPr>
+          <a:xfrm rot="923932">
+            <a:off x="8992297" y="438012"/>
+            <a:ext cx="2609770" cy="2609770"/>
+          </a:xfrm>
+          <a:prstGeom prst="rect">
+            <a:avLst/>
+          </a:prstGeom>
+        </p:spPr>
+      </p:pic>
+      <p:pic>
+        <p:nvPicPr>
+          <p:cNvPr id="5" name="Grafik 4"/>
+          <p:cNvPicPr>
+            <a:picLocks noChangeAspect="1"/>
+          </p:cNvPicPr>
+          <p:nvPr/>
+        </p:nvPicPr>
+        <p:blipFill>
+          <a:blip r:embed="rId4">
+            <a:extLst>
+              <a:ext uri="{28A0092B-C50C-407E-A947-70E740481C1C}">
+                <a14:useLocalDpi xmlns:a14="http://schemas.microsoft.com/office/drawing/2010/main" val="0"/>
+              </a:ext>
+            </a:extLst>
+          </a:blip>
+          <a:stretch>
+            <a:fillRect/>
+          </a:stretch>
+        </p:blipFill>
+        <p:spPr>
+          <a:xfrm>
+            <a:off x="3715262" y="138361"/>
+            <a:ext cx="4790506" cy="2515016"/>
+          </a:xfrm>
+          <a:prstGeom prst="rect">
+            <a:avLst/>
+          </a:prstGeom>
+        </p:spPr>
+      </p:pic>
+      <p:pic>
+        <p:nvPicPr>
+          <p:cNvPr id="6" name="Grafik 5"/>
+          <p:cNvPicPr>
+            <a:picLocks noChangeAspect="1"/>
+          </p:cNvPicPr>
+          <p:nvPr/>
+        </p:nvPicPr>
+        <p:blipFill>
+          <a:blip r:embed="rId5">
+            <a:extLst>
+              <a:ext uri="{28A0092B-C50C-407E-A947-70E740481C1C}">
+                <a14:useLocalDpi xmlns:a14="http://schemas.microsoft.com/office/drawing/2010/main" val="0"/>
+              </a:ext>
+            </a:extLst>
+          </a:blip>
+          <a:stretch>
+            <a:fillRect/>
+          </a:stretch>
+        </p:blipFill>
+        <p:spPr>
+          <a:xfrm>
+            <a:off x="7931925" y="2442519"/>
+            <a:ext cx="4925586" cy="4925586"/>
+          </a:xfrm>
+          <a:prstGeom prst="rect">
+            <a:avLst/>
+          </a:prstGeom>
+        </p:spPr>
+      </p:pic>
+      <p:pic>
+        <p:nvPicPr>
+          <p:cNvPr id="7" name="Grafik 6"/>
+          <p:cNvPicPr>
+            <a:picLocks noChangeAspect="1"/>
+          </p:cNvPicPr>
+          <p:nvPr/>
+        </p:nvPicPr>
+        <p:blipFill>
+          <a:blip r:embed="rId6">
+            <a:extLst>
+              <a:ext uri="{28A0092B-C50C-407E-A947-70E740481C1C}">
+                <a14:useLocalDpi xmlns:a14="http://schemas.microsoft.com/office/drawing/2010/main" val="0"/>
+              </a:ext>
+            </a:extLst>
+          </a:blip>
+          <a:stretch>
+            <a:fillRect/>
+          </a:stretch>
+        </p:blipFill>
+        <p:spPr>
+          <a:xfrm>
+            <a:off x="-684441" y="3139465"/>
+            <a:ext cx="3910787" cy="3910787"/>
+          </a:xfrm>
+          <a:prstGeom prst="rect">
+            <a:avLst/>
+          </a:prstGeom>
+        </p:spPr>
+      </p:pic>
     </p:spTree>
     <p:extLst>
       <p:ext uri="{BB962C8B-B14F-4D97-AF65-F5344CB8AC3E}">
@@ -3752,6 +4104,413 @@
   <p:clrMapOvr>
     <a:masterClrMapping/>
   </p:clrMapOvr>
+  <p:timing>
+    <p:tnLst>
+      <p:par>
+        <p:cTn id="1" dur="indefinite" restart="never" nodeType="tmRoot">
+          <p:childTnLst>
+            <p:seq concurrent="1" nextAc="seek">
+              <p:cTn id="2" dur="indefinite" nodeType="mainSeq">
+                <p:childTnLst>
+                  <p:par>
+                    <p:cTn id="3" fill="hold">
+                      <p:stCondLst>
+                        <p:cond delay="indefinite"/>
+                      </p:stCondLst>
+                      <p:childTnLst>
+                        <p:par>
+                          <p:cTn id="4" fill="hold">
+                            <p:stCondLst>
+                              <p:cond delay="0"/>
+                            </p:stCondLst>
+                            <p:childTnLst>
+                              <p:par>
+                                <p:cTn id="5" presetID="8" presetClass="entr" presetSubtype="16" fill="hold" nodeType="clickEffect">
+                                  <p:stCondLst>
+                                    <p:cond delay="0"/>
+                                  </p:stCondLst>
+                                  <p:childTnLst>
+                                    <p:set>
+                                      <p:cBhvr>
+                                        <p:cTn id="6" dur="1" fill="hold">
+                                          <p:stCondLst>
+                                            <p:cond delay="0"/>
+                                          </p:stCondLst>
+                                        </p:cTn>
+                                        <p:tgtEl>
+                                          <p:spTgt spid="3"/>
+                                        </p:tgtEl>
+                                        <p:attrNameLst>
+                                          <p:attrName>style.visibility</p:attrName>
+                                        </p:attrNameLst>
+                                      </p:cBhvr>
+                                      <p:to>
+                                        <p:strVal val="visible"/>
+                                      </p:to>
+                                    </p:set>
+                                    <p:animEffect transition="in" filter="diamond(in)">
+                                      <p:cBhvr>
+                                        <p:cTn id="7" dur="1000"/>
+                                        <p:tgtEl>
+                                          <p:spTgt spid="3"/>
+                                        </p:tgtEl>
+                                      </p:cBhvr>
+                                    </p:animEffect>
+                                  </p:childTnLst>
+                                </p:cTn>
+                              </p:par>
+                            </p:childTnLst>
+                          </p:cTn>
+                        </p:par>
+                        <p:par>
+                          <p:cTn id="8" fill="hold">
+                            <p:stCondLst>
+                              <p:cond delay="1000"/>
+                            </p:stCondLst>
+                            <p:childTnLst>
+                              <p:par>
+                                <p:cTn id="9" presetID="21" presetClass="entr" presetSubtype="4" fill="hold" nodeType="afterEffect">
+                                  <p:stCondLst>
+                                    <p:cond delay="0"/>
+                                  </p:stCondLst>
+                                  <p:childTnLst>
+                                    <p:set>
+                                      <p:cBhvr>
+                                        <p:cTn id="10" dur="1" fill="hold">
+                                          <p:stCondLst>
+                                            <p:cond delay="0"/>
+                                          </p:stCondLst>
+                                        </p:cTn>
+                                        <p:tgtEl>
+                                          <p:spTgt spid="5"/>
+                                        </p:tgtEl>
+                                        <p:attrNameLst>
+                                          <p:attrName>style.visibility</p:attrName>
+                                        </p:attrNameLst>
+                                      </p:cBhvr>
+                                      <p:to>
+                                        <p:strVal val="visible"/>
+                                      </p:to>
+                                    </p:set>
+                                    <p:animEffect transition="in" filter="wheel(4)">
+                                      <p:cBhvr>
+                                        <p:cTn id="11" dur="1000"/>
+                                        <p:tgtEl>
+                                          <p:spTgt spid="5"/>
+                                        </p:tgtEl>
+                                      </p:cBhvr>
+                                    </p:animEffect>
+                                  </p:childTnLst>
+                                </p:cTn>
+                              </p:par>
+                            </p:childTnLst>
+                          </p:cTn>
+                        </p:par>
+                        <p:par>
+                          <p:cTn id="12" fill="hold">
+                            <p:stCondLst>
+                              <p:cond delay="2000"/>
+                            </p:stCondLst>
+                            <p:childTnLst>
+                              <p:par>
+                                <p:cTn id="13" presetID="6" presetClass="entr" presetSubtype="16" fill="hold" nodeType="afterEffect">
+                                  <p:stCondLst>
+                                    <p:cond delay="0"/>
+                                  </p:stCondLst>
+                                  <p:childTnLst>
+                                    <p:set>
+                                      <p:cBhvr>
+                                        <p:cTn id="14" dur="1" fill="hold">
+                                          <p:stCondLst>
+                                            <p:cond delay="0"/>
+                                          </p:stCondLst>
+                                        </p:cTn>
+                                        <p:tgtEl>
+                                          <p:spTgt spid="4"/>
+                                        </p:tgtEl>
+                                        <p:attrNameLst>
+                                          <p:attrName>style.visibility</p:attrName>
+                                        </p:attrNameLst>
+                                      </p:cBhvr>
+                                      <p:to>
+                                        <p:strVal val="visible"/>
+                                      </p:to>
+                                    </p:set>
+                                    <p:animEffect transition="in" filter="circle(in)">
+                                      <p:cBhvr>
+                                        <p:cTn id="15" dur="1000"/>
+                                        <p:tgtEl>
+                                          <p:spTgt spid="4"/>
+                                        </p:tgtEl>
+                                      </p:cBhvr>
+                                    </p:animEffect>
+                                  </p:childTnLst>
+                                </p:cTn>
+                              </p:par>
+                            </p:childTnLst>
+                          </p:cTn>
+                        </p:par>
+                        <p:par>
+                          <p:cTn id="16" fill="hold">
+                            <p:stCondLst>
+                              <p:cond delay="3000"/>
+                            </p:stCondLst>
+                            <p:childTnLst>
+                              <p:par>
+                                <p:cTn id="17" presetID="16" presetClass="entr" presetSubtype="42" fill="hold" nodeType="afterEffect">
+                                  <p:stCondLst>
+                                    <p:cond delay="0"/>
+                                  </p:stCondLst>
+                                  <p:childTnLst>
+                                    <p:set>
+                                      <p:cBhvr>
+                                        <p:cTn id="18" dur="1" fill="hold">
+                                          <p:stCondLst>
+                                            <p:cond delay="0"/>
+                                          </p:stCondLst>
+                                        </p:cTn>
+                                        <p:tgtEl>
+                                          <p:spTgt spid="6"/>
+                                        </p:tgtEl>
+                                        <p:attrNameLst>
+                                          <p:attrName>style.visibility</p:attrName>
+                                        </p:attrNameLst>
+                                      </p:cBhvr>
+                                      <p:to>
+                                        <p:strVal val="visible"/>
+                                      </p:to>
+                                    </p:set>
+                                    <p:animEffect transition="in" filter="barn(outHorizontal)">
+                                      <p:cBhvr>
+                                        <p:cTn id="19" dur="1000"/>
+                                        <p:tgtEl>
+                                          <p:spTgt spid="6"/>
+                                        </p:tgtEl>
+                                      </p:cBhvr>
+                                    </p:animEffect>
+                                  </p:childTnLst>
+                                </p:cTn>
+                              </p:par>
+                            </p:childTnLst>
+                          </p:cTn>
+                        </p:par>
+                        <p:par>
+                          <p:cTn id="20" fill="hold">
+                            <p:stCondLst>
+                              <p:cond delay="4000"/>
+                            </p:stCondLst>
+                            <p:childTnLst>
+                              <p:par>
+                                <p:cTn id="21" presetID="47" presetClass="entr" presetSubtype="0" fill="hold" nodeType="afterEffect">
+                                  <p:stCondLst>
+                                    <p:cond delay="0"/>
+                                  </p:stCondLst>
+                                  <p:childTnLst>
+                                    <p:set>
+                                      <p:cBhvr>
+                                        <p:cTn id="22" dur="1" fill="hold">
+                                          <p:stCondLst>
+                                            <p:cond delay="0"/>
+                                          </p:stCondLst>
+                                        </p:cTn>
+                                        <p:tgtEl>
+                                          <p:spTgt spid="7"/>
+                                        </p:tgtEl>
+                                        <p:attrNameLst>
+                                          <p:attrName>style.visibility</p:attrName>
+                                        </p:attrNameLst>
+                                      </p:cBhvr>
+                                      <p:to>
+                                        <p:strVal val="visible"/>
+                                      </p:to>
+                                    </p:set>
+                                    <p:animEffect transition="in" filter="fade">
+                                      <p:cBhvr>
+                                        <p:cTn id="23" dur="1000"/>
+                                        <p:tgtEl>
+                                          <p:spTgt spid="7"/>
+                                        </p:tgtEl>
+                                      </p:cBhvr>
+                                    </p:animEffect>
+                                    <p:anim calcmode="lin" valueType="num">
+                                      <p:cBhvr>
+                                        <p:cTn id="24" dur="1000" fill="hold"/>
+                                        <p:tgtEl>
+                                          <p:spTgt spid="7"/>
+                                        </p:tgtEl>
+                                        <p:attrNameLst>
+                                          <p:attrName>ppt_x</p:attrName>
+                                        </p:attrNameLst>
+                                      </p:cBhvr>
+                                      <p:tavLst>
+                                        <p:tav tm="0">
+                                          <p:val>
+                                            <p:strVal val="#ppt_x"/>
+                                          </p:val>
+                                        </p:tav>
+                                        <p:tav tm="100000">
+                                          <p:val>
+                                            <p:strVal val="#ppt_x"/>
+                                          </p:val>
+                                        </p:tav>
+                                      </p:tavLst>
+                                    </p:anim>
+                                    <p:anim calcmode="lin" valueType="num">
+                                      <p:cBhvr>
+                                        <p:cTn id="25" dur="1000" fill="hold"/>
+                                        <p:tgtEl>
+                                          <p:spTgt spid="7"/>
+                                        </p:tgtEl>
+                                        <p:attrNameLst>
+                                          <p:attrName>ppt_y</p:attrName>
+                                        </p:attrNameLst>
+                                      </p:cBhvr>
+                                      <p:tavLst>
+                                        <p:tav tm="0">
+                                          <p:val>
+                                            <p:strVal val="#ppt_y-.1"/>
+                                          </p:val>
+                                        </p:tav>
+                                        <p:tav tm="100000">
+                                          <p:val>
+                                            <p:strVal val="#ppt_y"/>
+                                          </p:val>
+                                        </p:tav>
+                                      </p:tavLst>
+                                    </p:anim>
+                                  </p:childTnLst>
+                                </p:cTn>
+                              </p:par>
+                            </p:childTnLst>
+                          </p:cTn>
+                        </p:par>
+                      </p:childTnLst>
+                    </p:cTn>
+                  </p:par>
+                  <p:par>
+                    <p:cTn id="26" fill="hold">
+                      <p:stCondLst>
+                        <p:cond delay="indefinite"/>
+                      </p:stCondLst>
+                      <p:childTnLst>
+                        <p:par>
+                          <p:cTn id="27" fill="hold">
+                            <p:stCondLst>
+                              <p:cond delay="0"/>
+                            </p:stCondLst>
+                            <p:childTnLst>
+                              <p:par>
+                                <p:cTn id="28" presetID="42" presetClass="entr" presetSubtype="0" fill="hold" grpId="0" nodeType="clickEffect">
+                                  <p:stCondLst>
+                                    <p:cond delay="0"/>
+                                  </p:stCondLst>
+                                  <p:childTnLst>
+                                    <p:set>
+                                      <p:cBhvr>
+                                        <p:cTn id="29" dur="1" fill="hold">
+                                          <p:stCondLst>
+                                            <p:cond delay="0"/>
+                                          </p:stCondLst>
+                                        </p:cTn>
+                                        <p:tgtEl>
+                                          <p:spTgt spid="2"/>
+                                        </p:tgtEl>
+                                        <p:attrNameLst>
+                                          <p:attrName>style.visibility</p:attrName>
+                                        </p:attrNameLst>
+                                      </p:cBhvr>
+                                      <p:to>
+                                        <p:strVal val="visible"/>
+                                      </p:to>
+                                    </p:set>
+                                    <p:animEffect transition="in" filter="fade">
+                                      <p:cBhvr>
+                                        <p:cTn id="30" dur="1000"/>
+                                        <p:tgtEl>
+                                          <p:spTgt spid="2"/>
+                                        </p:tgtEl>
+                                      </p:cBhvr>
+                                    </p:animEffect>
+                                    <p:anim calcmode="lin" valueType="num">
+                                      <p:cBhvr>
+                                        <p:cTn id="31" dur="1000" fill="hold"/>
+                                        <p:tgtEl>
+                                          <p:spTgt spid="2"/>
+                                        </p:tgtEl>
+                                        <p:attrNameLst>
+                                          <p:attrName>ppt_x</p:attrName>
+                                        </p:attrNameLst>
+                                      </p:cBhvr>
+                                      <p:tavLst>
+                                        <p:tav tm="0">
+                                          <p:val>
+                                            <p:strVal val="#ppt_x"/>
+                                          </p:val>
+                                        </p:tav>
+                                        <p:tav tm="100000">
+                                          <p:val>
+                                            <p:strVal val="#ppt_x"/>
+                                          </p:val>
+                                        </p:tav>
+                                      </p:tavLst>
+                                    </p:anim>
+                                    <p:anim calcmode="lin" valueType="num">
+                                      <p:cBhvr>
+                                        <p:cTn id="32" dur="1000" fill="hold"/>
+                                        <p:tgtEl>
+                                          <p:spTgt spid="2"/>
+                                        </p:tgtEl>
+                                        <p:attrNameLst>
+                                          <p:attrName>ppt_y</p:attrName>
+                                        </p:attrNameLst>
+                                      </p:cBhvr>
+                                      <p:tavLst>
+                                        <p:tav tm="0">
+                                          <p:val>
+                                            <p:strVal val="#ppt_y+.1"/>
+                                          </p:val>
+                                        </p:tav>
+                                        <p:tav tm="100000">
+                                          <p:val>
+                                            <p:strVal val="#ppt_y"/>
+                                          </p:val>
+                                        </p:tav>
+                                      </p:tavLst>
+                                    </p:anim>
+                                  </p:childTnLst>
+                                </p:cTn>
+                              </p:par>
+                            </p:childTnLst>
+                          </p:cTn>
+                        </p:par>
+                      </p:childTnLst>
+                    </p:cTn>
+                  </p:par>
+                </p:childTnLst>
+              </p:cTn>
+              <p:prevCondLst>
+                <p:cond evt="onPrev" delay="0">
+                  <p:tgtEl>
+                    <p:sldTgt/>
+                  </p:tgtEl>
+                </p:cond>
+              </p:prevCondLst>
+              <p:nextCondLst>
+                <p:cond evt="onNext" delay="0">
+                  <p:tgtEl>
+                    <p:sldTgt/>
+                  </p:tgtEl>
+                </p:cond>
+              </p:nextCondLst>
+            </p:seq>
+          </p:childTnLst>
+        </p:cTn>
+      </p:par>
+    </p:tnLst>
+    <p:bldLst>
+      <p:bldP spid="2" grpId="0"/>
+    </p:bldLst>
+  </p:timing>
 </p:sld>
 </file>
 
@@ -3798,7 +4557,7 @@
     </a:clrScheme>
     <a:fontScheme name="Office">
       <a:majorFont>
-        <a:latin typeface="Calibri Light" panose="020F0302020204030204"/>
+        <a:latin typeface="Calibri Light"/>
         <a:ea typeface=""/>
         <a:cs typeface=""/>
         <a:font script="Jpan" typeface="Yu Gothic Light"/>
@@ -3833,7 +4592,7 @@
         <a:font script="Geor" typeface="Sylfaen"/>
       </a:majorFont>
       <a:minorFont>
-        <a:latin typeface="Calibri" panose="020F0502020204030204"/>
+        <a:latin typeface="Calibri"/>
         <a:ea typeface=""/>
         <a:cs typeface=""/>
         <a:font script="Jpan" typeface="Yu Gothic"/>
@@ -4010,7 +4769,7 @@
   <a:extraClrSchemeLst/>
   <a:extLst>
     <a:ext uri="{05A4C25C-085E-4340-85A3-A5531E510DB2}">
-      <thm15:themeFamily xmlns:thm15="http://schemas.microsoft.com/office/thememl/2012/main" name="Office Theme" id="{62F939B6-93AF-4DB8-9C6B-D6C7DFDC589F}" vid="{4A3C46E8-61CC-4603-A589-7422A47A8E4A}"/>
+      <thm15:themeFamily xmlns:thm15="http://schemas.microsoft.com/office/thememl/2012/main" xmlns="" name="Office Theme" id="{62F939B6-93AF-4DB8-9C6B-D6C7DFDC589F}" vid="{4A3C46E8-61CC-4603-A589-7422A47A8E4A}"/>
     </a:ext>
   </a:extLst>
 </a:theme>
@@ -4059,7 +4818,7 @@
     </a:clrScheme>
     <a:fontScheme name="Office">
       <a:majorFont>
-        <a:latin typeface="Calibri Light" panose="020F0302020204030204"/>
+        <a:latin typeface="Calibri Light"/>
         <a:ea typeface=""/>
         <a:cs typeface=""/>
         <a:font script="Jpan" typeface="Yu Gothic Light"/>
@@ -4094,7 +4853,7 @@
         <a:font script="Geor" typeface="Sylfaen"/>
       </a:majorFont>
       <a:minorFont>
-        <a:latin typeface="Calibri" panose="020F0502020204030204"/>
+        <a:latin typeface="Calibri"/>
         <a:ea typeface=""/>
         <a:cs typeface=""/>
         <a:font script="Jpan" typeface="Yu Gothic"/>
@@ -4271,7 +5030,7 @@
   <a:extraClrSchemeLst/>
   <a:extLst>
     <a:ext uri="{05A4C25C-085E-4340-85A3-A5531E510DB2}">
-      <thm15:themeFamily xmlns:thm15="http://schemas.microsoft.com/office/thememl/2012/main" name="Office Theme" id="{62F939B6-93AF-4DB8-9C6B-D6C7DFDC589F}" vid="{4A3C46E8-61CC-4603-A589-7422A47A8E4A}"/>
+      <thm15:themeFamily xmlns:thm15="http://schemas.microsoft.com/office/thememl/2012/main" xmlns="" name="Office Theme" id="{62F939B6-93AF-4DB8-9C6B-D6C7DFDC589F}" vid="{4A3C46E8-61CC-4603-A589-7422A47A8E4A}"/>
     </a:ext>
   </a:extLst>
 </a:theme>
